--- a/Bilder/Skizzen.pptx
+++ b/Bilder/Skizzen.pptx
@@ -8,6 +8,7 @@
     <p:sldId id="256" r:id="rId2"/>
     <p:sldId id="257" r:id="rId3"/>
     <p:sldId id="258" r:id="rId4"/>
+    <p:sldId id="259" r:id="rId5"/>
   </p:sldIdLst>
   <p:sldSz cx="12192000" cy="6858000"/>
   <p:notesSz cx="6858000" cy="9144000"/>
@@ -261,7 +262,7 @@
           <a:p>
             <a:fld id="{A81A9351-C02A-4A78-87C6-90EB31BF9366}" type="datetimeFigureOut">
               <a:rPr lang="de-DE" smtClean="0"/>
-              <a:t>21.11.2022</a:t>
+              <a:t>30.11.2022</a:t>
             </a:fld>
             <a:endParaRPr lang="de-DE"/>
           </a:p>
@@ -459,7 +460,7 @@
           <a:p>
             <a:fld id="{A81A9351-C02A-4A78-87C6-90EB31BF9366}" type="datetimeFigureOut">
               <a:rPr lang="de-DE" smtClean="0"/>
-              <a:t>21.11.2022</a:t>
+              <a:t>30.11.2022</a:t>
             </a:fld>
             <a:endParaRPr lang="de-DE"/>
           </a:p>
@@ -667,7 +668,7 @@
           <a:p>
             <a:fld id="{A81A9351-C02A-4A78-87C6-90EB31BF9366}" type="datetimeFigureOut">
               <a:rPr lang="de-DE" smtClean="0"/>
-              <a:t>21.11.2022</a:t>
+              <a:t>30.11.2022</a:t>
             </a:fld>
             <a:endParaRPr lang="de-DE"/>
           </a:p>
@@ -865,7 +866,7 @@
           <a:p>
             <a:fld id="{A81A9351-C02A-4A78-87C6-90EB31BF9366}" type="datetimeFigureOut">
               <a:rPr lang="de-DE" smtClean="0"/>
-              <a:t>21.11.2022</a:t>
+              <a:t>30.11.2022</a:t>
             </a:fld>
             <a:endParaRPr lang="de-DE"/>
           </a:p>
@@ -1140,7 +1141,7 @@
           <a:p>
             <a:fld id="{A81A9351-C02A-4A78-87C6-90EB31BF9366}" type="datetimeFigureOut">
               <a:rPr lang="de-DE" smtClean="0"/>
-              <a:t>21.11.2022</a:t>
+              <a:t>30.11.2022</a:t>
             </a:fld>
             <a:endParaRPr lang="de-DE"/>
           </a:p>
@@ -1405,7 +1406,7 @@
           <a:p>
             <a:fld id="{A81A9351-C02A-4A78-87C6-90EB31BF9366}" type="datetimeFigureOut">
               <a:rPr lang="de-DE" smtClean="0"/>
-              <a:t>21.11.2022</a:t>
+              <a:t>30.11.2022</a:t>
             </a:fld>
             <a:endParaRPr lang="de-DE"/>
           </a:p>
@@ -1817,7 +1818,7 @@
           <a:p>
             <a:fld id="{A81A9351-C02A-4A78-87C6-90EB31BF9366}" type="datetimeFigureOut">
               <a:rPr lang="de-DE" smtClean="0"/>
-              <a:t>21.11.2022</a:t>
+              <a:t>30.11.2022</a:t>
             </a:fld>
             <a:endParaRPr lang="de-DE"/>
           </a:p>
@@ -1958,7 +1959,7 @@
           <a:p>
             <a:fld id="{A81A9351-C02A-4A78-87C6-90EB31BF9366}" type="datetimeFigureOut">
               <a:rPr lang="de-DE" smtClean="0"/>
-              <a:t>21.11.2022</a:t>
+              <a:t>30.11.2022</a:t>
             </a:fld>
             <a:endParaRPr lang="de-DE"/>
           </a:p>
@@ -2071,7 +2072,7 @@
           <a:p>
             <a:fld id="{A81A9351-C02A-4A78-87C6-90EB31BF9366}" type="datetimeFigureOut">
               <a:rPr lang="de-DE" smtClean="0"/>
-              <a:t>21.11.2022</a:t>
+              <a:t>30.11.2022</a:t>
             </a:fld>
             <a:endParaRPr lang="de-DE"/>
           </a:p>
@@ -2382,7 +2383,7 @@
           <a:p>
             <a:fld id="{A81A9351-C02A-4A78-87C6-90EB31BF9366}" type="datetimeFigureOut">
               <a:rPr lang="de-DE" smtClean="0"/>
-              <a:t>21.11.2022</a:t>
+              <a:t>30.11.2022</a:t>
             </a:fld>
             <a:endParaRPr lang="de-DE"/>
           </a:p>
@@ -2670,7 +2671,7 @@
           <a:p>
             <a:fld id="{A81A9351-C02A-4A78-87C6-90EB31BF9366}" type="datetimeFigureOut">
               <a:rPr lang="de-DE" smtClean="0"/>
-              <a:t>21.11.2022</a:t>
+              <a:t>30.11.2022</a:t>
             </a:fld>
             <a:endParaRPr lang="de-DE"/>
           </a:p>
@@ -2911,7 +2912,7 @@
           <a:p>
             <a:fld id="{A81A9351-C02A-4A78-87C6-90EB31BF9366}" type="datetimeFigureOut">
               <a:rPr lang="de-DE" smtClean="0"/>
-              <a:t>21.11.2022</a:t>
+              <a:t>30.11.2022</a:t>
             </a:fld>
             <a:endParaRPr lang="de-DE"/>
           </a:p>
@@ -9031,6 +9032,443 @@
 </p:sld>
 </file>
 
+<file path=ppt/slides/slide4.xml><?xml version="1.0" encoding="utf-8"?>
+<p:sld xmlns:a="http://schemas.openxmlformats.org/drawingml/2006/main" xmlns:r="http://schemas.openxmlformats.org/officeDocument/2006/relationships" xmlns:p="http://schemas.openxmlformats.org/presentationml/2006/main">
+  <p:cSld>
+    <p:spTree>
+      <p:nvGrpSpPr>
+        <p:cNvPr id="1" name=""/>
+        <p:cNvGrpSpPr/>
+        <p:nvPr/>
+      </p:nvGrpSpPr>
+      <p:grpSpPr>
+        <a:xfrm>
+          <a:off x="0" y="0"/>
+          <a:ext cx="0" cy="0"/>
+          <a:chOff x="0" y="0"/>
+          <a:chExt cx="0" cy="0"/>
+        </a:xfrm>
+      </p:grpSpPr>
+      <p:grpSp>
+        <p:nvGrpSpPr>
+          <p:cNvPr id="22" name="Group 21">
+            <a:extLst>
+              <a:ext uri="{FF2B5EF4-FFF2-40B4-BE49-F238E27FC236}">
+                <a16:creationId xmlns:a16="http://schemas.microsoft.com/office/drawing/2014/main" id="{F361AFF7-0393-2E8E-E392-E5390636CDC0}"/>
+              </a:ext>
+            </a:extLst>
+          </p:cNvPr>
+          <p:cNvGrpSpPr/>
+          <p:nvPr/>
+        </p:nvGrpSpPr>
+        <p:grpSpPr>
+          <a:xfrm>
+            <a:off x="3459957" y="1857374"/>
+            <a:ext cx="5074444" cy="2675281"/>
+            <a:chOff x="1700213" y="1609725"/>
+            <a:chExt cx="6634162" cy="3181350"/>
+          </a:xfrm>
+        </p:grpSpPr>
+        <p:sp>
+          <p:nvSpPr>
+            <p:cNvPr id="2" name="Oval 1">
+              <a:extLst>
+                <a:ext uri="{FF2B5EF4-FFF2-40B4-BE49-F238E27FC236}">
+                  <a16:creationId xmlns:a16="http://schemas.microsoft.com/office/drawing/2014/main" id="{027122B2-098A-D16A-CBD7-B254484DBB1E}"/>
+                </a:ext>
+              </a:extLst>
+            </p:cNvPr>
+            <p:cNvSpPr/>
+            <p:nvPr/>
+          </p:nvSpPr>
+          <p:spPr>
+            <a:xfrm>
+              <a:off x="1700213" y="2524125"/>
+              <a:ext cx="2266950" cy="2266950"/>
+            </a:xfrm>
+            <a:prstGeom prst="ellipse">
+              <a:avLst/>
+            </a:prstGeom>
+            <a:noFill/>
+            <a:ln w="76200" cap="flat" cmpd="sng" algn="ctr">
+              <a:solidFill>
+                <a:schemeClr val="dk1"/>
+              </a:solidFill>
+              <a:prstDash val="solid"/>
+              <a:round/>
+              <a:headEnd type="none" w="med" len="med"/>
+              <a:tailEnd type="none" w="med" len="med"/>
+            </a:ln>
+          </p:spPr>
+          <p:style>
+            <a:lnRef idx="0">
+              <a:scrgbClr r="0" g="0" b="0"/>
+            </a:lnRef>
+            <a:fillRef idx="0">
+              <a:scrgbClr r="0" g="0" b="0"/>
+            </a:fillRef>
+            <a:effectRef idx="0">
+              <a:scrgbClr r="0" g="0" b="0"/>
+            </a:effectRef>
+            <a:fontRef idx="minor">
+              <a:schemeClr val="dk1"/>
+            </a:fontRef>
+          </p:style>
+          <p:txBody>
+            <a:bodyPr rtlCol="0" anchor="ctr"/>
+            <a:lstStyle/>
+            <a:p>
+              <a:pPr algn="ctr"/>
+              <a:endParaRPr lang="de-DE"/>
+            </a:p>
+          </p:txBody>
+        </p:sp>
+        <p:sp>
+          <p:nvSpPr>
+            <p:cNvPr id="3" name="Oval 2">
+              <a:extLst>
+                <a:ext uri="{FF2B5EF4-FFF2-40B4-BE49-F238E27FC236}">
+                  <a16:creationId xmlns:a16="http://schemas.microsoft.com/office/drawing/2014/main" id="{4862FA1B-0DBC-A144-544A-5262D6486E9F}"/>
+                </a:ext>
+              </a:extLst>
+            </p:cNvPr>
+            <p:cNvSpPr/>
+            <p:nvPr/>
+          </p:nvSpPr>
+          <p:spPr>
+            <a:xfrm>
+              <a:off x="6067425" y="2524125"/>
+              <a:ext cx="2266950" cy="2266950"/>
+            </a:xfrm>
+            <a:prstGeom prst="ellipse">
+              <a:avLst/>
+            </a:prstGeom>
+            <a:noFill/>
+            <a:ln w="76200" cap="flat" cmpd="sng" algn="ctr">
+              <a:solidFill>
+                <a:schemeClr val="dk1"/>
+              </a:solidFill>
+              <a:prstDash val="solid"/>
+              <a:round/>
+              <a:headEnd type="none" w="med" len="med"/>
+              <a:tailEnd type="none" w="med" len="med"/>
+            </a:ln>
+          </p:spPr>
+          <p:style>
+            <a:lnRef idx="0">
+              <a:scrgbClr r="0" g="0" b="0"/>
+            </a:lnRef>
+            <a:fillRef idx="0">
+              <a:scrgbClr r="0" g="0" b="0"/>
+            </a:fillRef>
+            <a:effectRef idx="0">
+              <a:scrgbClr r="0" g="0" b="0"/>
+            </a:effectRef>
+            <a:fontRef idx="minor">
+              <a:schemeClr val="dk1"/>
+            </a:fontRef>
+          </p:style>
+          <p:txBody>
+            <a:bodyPr rtlCol="0" anchor="ctr"/>
+            <a:lstStyle/>
+            <a:p>
+              <a:pPr algn="ctr"/>
+              <a:endParaRPr lang="de-DE"/>
+            </a:p>
+          </p:txBody>
+        </p:sp>
+        <p:cxnSp>
+          <p:nvCxnSpPr>
+            <p:cNvPr id="5" name="Straight Connector 4">
+              <a:extLst>
+                <a:ext uri="{FF2B5EF4-FFF2-40B4-BE49-F238E27FC236}">
+                  <a16:creationId xmlns:a16="http://schemas.microsoft.com/office/drawing/2014/main" id="{64C6D196-0D76-2E7B-43B8-54368B07FD50}"/>
+                </a:ext>
+              </a:extLst>
+            </p:cNvPr>
+            <p:cNvCxnSpPr>
+              <a:cxnSpLocks/>
+            </p:cNvCxnSpPr>
+            <p:nvPr/>
+          </p:nvCxnSpPr>
+          <p:spPr>
+            <a:xfrm flipH="1" flipV="1">
+              <a:off x="6248400" y="1609725"/>
+              <a:ext cx="952500" cy="2047875"/>
+            </a:xfrm>
+            <a:prstGeom prst="line">
+              <a:avLst/>
+            </a:prstGeom>
+            <a:ln w="76200"/>
+          </p:spPr>
+          <p:style>
+            <a:lnRef idx="1">
+              <a:schemeClr val="dk1"/>
+            </a:lnRef>
+            <a:fillRef idx="0">
+              <a:schemeClr val="dk1"/>
+            </a:fillRef>
+            <a:effectRef idx="0">
+              <a:schemeClr val="dk1"/>
+            </a:effectRef>
+            <a:fontRef idx="minor">
+              <a:schemeClr val="tx1"/>
+            </a:fontRef>
+          </p:style>
+        </p:cxnSp>
+        <p:cxnSp>
+          <p:nvCxnSpPr>
+            <p:cNvPr id="7" name="Straight Connector 6">
+              <a:extLst>
+                <a:ext uri="{FF2B5EF4-FFF2-40B4-BE49-F238E27FC236}">
+                  <a16:creationId xmlns:a16="http://schemas.microsoft.com/office/drawing/2014/main" id="{6AD512C3-4BE0-F0E2-BD74-EA2D3E26F00F}"/>
+                </a:ext>
+              </a:extLst>
+            </p:cNvPr>
+            <p:cNvCxnSpPr>
+              <a:cxnSpLocks/>
+            </p:cNvCxnSpPr>
+            <p:nvPr/>
+          </p:nvCxnSpPr>
+          <p:spPr>
+            <a:xfrm flipH="1">
+              <a:off x="4657724" y="2209800"/>
+              <a:ext cx="1866901" cy="1524000"/>
+            </a:xfrm>
+            <a:prstGeom prst="line">
+              <a:avLst/>
+            </a:prstGeom>
+            <a:ln w="76200"/>
+          </p:spPr>
+          <p:style>
+            <a:lnRef idx="1">
+              <a:schemeClr val="dk1"/>
+            </a:lnRef>
+            <a:fillRef idx="0">
+              <a:schemeClr val="dk1"/>
+            </a:fillRef>
+            <a:effectRef idx="0">
+              <a:schemeClr val="dk1"/>
+            </a:effectRef>
+            <a:fontRef idx="minor">
+              <a:schemeClr val="tx1"/>
+            </a:fontRef>
+          </p:style>
+        </p:cxnSp>
+        <p:cxnSp>
+          <p:nvCxnSpPr>
+            <p:cNvPr id="12" name="Straight Connector 11">
+              <a:extLst>
+                <a:ext uri="{FF2B5EF4-FFF2-40B4-BE49-F238E27FC236}">
+                  <a16:creationId xmlns:a16="http://schemas.microsoft.com/office/drawing/2014/main" id="{633475D7-4A07-3901-FBB7-6936F22DF5B4}"/>
+                </a:ext>
+              </a:extLst>
+            </p:cNvPr>
+            <p:cNvCxnSpPr>
+              <a:cxnSpLocks/>
+            </p:cNvCxnSpPr>
+            <p:nvPr/>
+          </p:nvCxnSpPr>
+          <p:spPr>
+            <a:xfrm flipH="1">
+              <a:off x="4657724" y="2209800"/>
+              <a:ext cx="1843089" cy="0"/>
+            </a:xfrm>
+            <a:prstGeom prst="line">
+              <a:avLst/>
+            </a:prstGeom>
+            <a:ln w="76200"/>
+          </p:spPr>
+          <p:style>
+            <a:lnRef idx="1">
+              <a:schemeClr val="dk1"/>
+            </a:lnRef>
+            <a:fillRef idx="0">
+              <a:schemeClr val="dk1"/>
+            </a:fillRef>
+            <a:effectRef idx="0">
+              <a:schemeClr val="dk1"/>
+            </a:effectRef>
+            <a:fontRef idx="minor">
+              <a:schemeClr val="tx1"/>
+            </a:fontRef>
+          </p:style>
+        </p:cxnSp>
+        <p:cxnSp>
+          <p:nvCxnSpPr>
+            <p:cNvPr id="16" name="Straight Connector 15">
+              <a:extLst>
+                <a:ext uri="{FF2B5EF4-FFF2-40B4-BE49-F238E27FC236}">
+                  <a16:creationId xmlns:a16="http://schemas.microsoft.com/office/drawing/2014/main" id="{367E3E3F-F53B-F11A-9D21-8197DEE961B6}"/>
+                </a:ext>
+              </a:extLst>
+            </p:cNvPr>
+            <p:cNvCxnSpPr>
+              <a:cxnSpLocks/>
+            </p:cNvCxnSpPr>
+            <p:nvPr/>
+          </p:nvCxnSpPr>
+          <p:spPr>
+            <a:xfrm flipV="1">
+              <a:off x="4700588" y="2209800"/>
+              <a:ext cx="0" cy="1524000"/>
+            </a:xfrm>
+            <a:prstGeom prst="line">
+              <a:avLst/>
+            </a:prstGeom>
+            <a:ln w="76200"/>
+          </p:spPr>
+          <p:style>
+            <a:lnRef idx="1">
+              <a:schemeClr val="dk1"/>
+            </a:lnRef>
+            <a:fillRef idx="0">
+              <a:schemeClr val="dk1"/>
+            </a:fillRef>
+            <a:effectRef idx="0">
+              <a:schemeClr val="dk1"/>
+            </a:effectRef>
+            <a:fontRef idx="minor">
+              <a:schemeClr val="tx1"/>
+            </a:fontRef>
+          </p:style>
+        </p:cxnSp>
+        <p:cxnSp>
+          <p:nvCxnSpPr>
+            <p:cNvPr id="20" name="Straight Connector 19">
+              <a:extLst>
+                <a:ext uri="{FF2B5EF4-FFF2-40B4-BE49-F238E27FC236}">
+                  <a16:creationId xmlns:a16="http://schemas.microsoft.com/office/drawing/2014/main" id="{24D44D38-7762-AC18-4BB6-D172F26700BC}"/>
+                </a:ext>
+              </a:extLst>
+            </p:cNvPr>
+            <p:cNvCxnSpPr>
+              <a:cxnSpLocks/>
+            </p:cNvCxnSpPr>
+            <p:nvPr/>
+          </p:nvCxnSpPr>
+          <p:spPr>
+            <a:xfrm flipH="1">
+              <a:off x="2838448" y="2194560"/>
+              <a:ext cx="1866901" cy="1524000"/>
+            </a:xfrm>
+            <a:prstGeom prst="line">
+              <a:avLst/>
+            </a:prstGeom>
+            <a:ln w="76200"/>
+          </p:spPr>
+          <p:style>
+            <a:lnRef idx="1">
+              <a:schemeClr val="dk1"/>
+            </a:lnRef>
+            <a:fillRef idx="0">
+              <a:schemeClr val="dk1"/>
+            </a:fillRef>
+            <a:effectRef idx="0">
+              <a:schemeClr val="dk1"/>
+            </a:effectRef>
+            <a:fontRef idx="minor">
+              <a:schemeClr val="tx1"/>
+            </a:fontRef>
+          </p:style>
+        </p:cxnSp>
+        <p:cxnSp>
+          <p:nvCxnSpPr>
+            <p:cNvPr id="21" name="Straight Connector 20">
+              <a:extLst>
+                <a:ext uri="{FF2B5EF4-FFF2-40B4-BE49-F238E27FC236}">
+                  <a16:creationId xmlns:a16="http://schemas.microsoft.com/office/drawing/2014/main" id="{380A35A9-2DE3-62BD-A543-5DBBA1F5C405}"/>
+                </a:ext>
+              </a:extLst>
+            </p:cNvPr>
+            <p:cNvCxnSpPr>
+              <a:cxnSpLocks/>
+            </p:cNvCxnSpPr>
+            <p:nvPr/>
+          </p:nvCxnSpPr>
+          <p:spPr>
+            <a:xfrm flipH="1">
+              <a:off x="2838448" y="3703320"/>
+              <a:ext cx="1843089" cy="0"/>
+            </a:xfrm>
+            <a:prstGeom prst="line">
+              <a:avLst/>
+            </a:prstGeom>
+            <a:ln w="76200"/>
+          </p:spPr>
+          <p:style>
+            <a:lnRef idx="1">
+              <a:schemeClr val="dk1"/>
+            </a:lnRef>
+            <a:fillRef idx="0">
+              <a:schemeClr val="dk1"/>
+            </a:fillRef>
+            <a:effectRef idx="0">
+              <a:schemeClr val="dk1"/>
+            </a:effectRef>
+            <a:fontRef idx="minor">
+              <a:schemeClr val="tx1"/>
+            </a:fontRef>
+          </p:style>
+        </p:cxnSp>
+      </p:grpSp>
+      <p:sp>
+        <p:nvSpPr>
+          <p:cNvPr id="23" name="Rectangle 22">
+            <a:extLst>
+              <a:ext uri="{FF2B5EF4-FFF2-40B4-BE49-F238E27FC236}">
+                <a16:creationId xmlns:a16="http://schemas.microsoft.com/office/drawing/2014/main" id="{8E897F96-BA25-9DAF-B964-8F93AA223053}"/>
+              </a:ext>
+            </a:extLst>
+          </p:cNvPr>
+          <p:cNvSpPr/>
+          <p:nvPr/>
+        </p:nvSpPr>
+        <p:spPr>
+          <a:xfrm>
+            <a:off x="8205331" y="1882978"/>
+            <a:ext cx="1113938" cy="966894"/>
+          </a:xfrm>
+          <a:prstGeom prst="rect">
+            <a:avLst/>
+          </a:prstGeom>
+        </p:spPr>
+        <p:style>
+          <a:lnRef idx="1">
+            <a:schemeClr val="dk1"/>
+          </a:lnRef>
+          <a:fillRef idx="2">
+            <a:schemeClr val="dk1"/>
+          </a:fillRef>
+          <a:effectRef idx="1">
+            <a:schemeClr val="dk1"/>
+          </a:effectRef>
+          <a:fontRef idx="minor">
+            <a:schemeClr val="dk1"/>
+          </a:fontRef>
+        </p:style>
+        <p:txBody>
+          <a:bodyPr rtlCol="0" anchor="ctr"/>
+          <a:lstStyle/>
+          <a:p>
+            <a:pPr algn="ctr"/>
+            <a:endParaRPr lang="de-DE"/>
+          </a:p>
+        </p:txBody>
+      </p:sp>
+    </p:spTree>
+    <p:extLst>
+      <p:ext uri="{BB962C8B-B14F-4D97-AF65-F5344CB8AC3E}">
+        <p14:creationId xmlns:p14="http://schemas.microsoft.com/office/powerpoint/2010/main" val="2425057077"/>
+      </p:ext>
+    </p:extLst>
+  </p:cSld>
+  <p:clrMapOvr>
+    <a:masterClrMapping/>
+  </p:clrMapOvr>
+</p:sld>
+</file>
+
 <file path=ppt/tags/tag1.xml><?xml version="1.0" encoding="utf-8"?>
 <p:tagLst xmlns:a="http://schemas.openxmlformats.org/drawingml/2006/main" xmlns:r="http://schemas.openxmlformats.org/officeDocument/2006/relationships" xmlns:p="http://schemas.openxmlformats.org/presentationml/2006/main">
   <p:tag name="COLORSETCLASSNAME" val="ColorSet2"/>
